--- a/lesson22.pptx
+++ b/lesson22.pptx
@@ -268,10 +268,25 @@
   <pc:docChgLst>
     <pc:chgData name="Anatoliy Kigel" userId="7432c6c4687b0a9c" providerId="LiveId" clId="{214628B9-8B65-4037-BDE0-962B648EB1E5}"/>
     <pc:docChg chg="addSld modSld">
-      <pc:chgData name="Anatoliy Kigel" userId="7432c6c4687b0a9c" providerId="LiveId" clId="{214628B9-8B65-4037-BDE0-962B648EB1E5}" dt="2022-02-21T07:38:03.715" v="17" actId="1076"/>
+      <pc:chgData name="Anatoliy Kigel" userId="7432c6c4687b0a9c" providerId="LiveId" clId="{214628B9-8B65-4037-BDE0-962B648EB1E5}" dt="2022-02-22T07:01:39.680" v="26" actId="20577"/>
       <pc:docMkLst>
         <pc:docMk/>
       </pc:docMkLst>
+      <pc:sldChg chg="modSp mod">
+        <pc:chgData name="Anatoliy Kigel" userId="7432c6c4687b0a9c" providerId="LiveId" clId="{214628B9-8B65-4037-BDE0-962B648EB1E5}" dt="2022-02-22T07:01:39.680" v="26" actId="20577"/>
+        <pc:sldMkLst>
+          <pc:docMk/>
+          <pc:sldMk cId="435884347" sldId="348"/>
+        </pc:sldMkLst>
+        <pc:spChg chg="mod">
+          <ac:chgData name="Anatoliy Kigel" userId="7432c6c4687b0a9c" providerId="LiveId" clId="{214628B9-8B65-4037-BDE0-962B648EB1E5}" dt="2022-02-22T07:01:39.680" v="26" actId="20577"/>
+          <ac:spMkLst>
+            <pc:docMk/>
+            <pc:sldMk cId="435884347" sldId="348"/>
+            <ac:spMk id="4" creationId="{00000000-0000-0000-0000-000000000000}"/>
+          </ac:spMkLst>
+        </pc:spChg>
+      </pc:sldChg>
       <pc:sldChg chg="add">
         <pc:chgData name="Anatoliy Kigel" userId="7432c6c4687b0a9c" providerId="LiveId" clId="{214628B9-8B65-4037-BDE0-962B648EB1E5}" dt="2022-02-21T07:32:51.414" v="0"/>
         <pc:sldMkLst>
@@ -398,7 +413,7 @@
             <a:fld id="{85522811-C5C6-42D2-A409-F8556720C93F}" type="datetimeFigureOut">
               <a:rPr lang="uk-UA" smtClean="0"/>
               <a:pPr/>
-              <a:t>21.02.2022</a:t>
+              <a:t>22.02.2022</a:t>
             </a:fld>
             <a:endParaRPr lang="uk-UA"/>
           </a:p>
@@ -943,7 +958,7 @@
             <a:fld id="{0A2E6AC4-C3FE-4E70-88D1-136405B25267}" type="datetime1">
               <a:rPr lang="uk-UA" smtClean="0"/>
               <a:pPr/>
-              <a:t>21.02.2022</a:t>
+              <a:t>22.02.2022</a:t>
             </a:fld>
             <a:endParaRPr lang="uk-UA"/>
           </a:p>
@@ -1110,7 +1125,7 @@
             <a:fld id="{B4D85949-5AE9-41F1-B18C-DA1006B0E8CC}" type="datetime1">
               <a:rPr lang="uk-UA" smtClean="0"/>
               <a:pPr/>
-              <a:t>21.02.2022</a:t>
+              <a:t>22.02.2022</a:t>
             </a:fld>
             <a:endParaRPr lang="uk-UA"/>
           </a:p>
@@ -1287,7 +1302,7 @@
             <a:fld id="{B20C227C-94C5-4BA1-A89C-1C7570144B22}" type="datetime1">
               <a:rPr lang="uk-UA" smtClean="0"/>
               <a:pPr/>
-              <a:t>21.02.2022</a:t>
+              <a:t>22.02.2022</a:t>
             </a:fld>
             <a:endParaRPr lang="uk-UA"/>
           </a:p>
@@ -1454,7 +1469,7 @@
             <a:fld id="{68E2E168-B245-4D8D-8538-B29990DBF87B}" type="datetime1">
               <a:rPr lang="uk-UA" smtClean="0"/>
               <a:pPr/>
-              <a:t>21.02.2022</a:t>
+              <a:t>22.02.2022</a:t>
             </a:fld>
             <a:endParaRPr lang="uk-UA"/>
           </a:p>
@@ -1697,7 +1712,7 @@
             <a:fld id="{356DAF6E-7007-4E61-B36E-794BF232B234}" type="datetime1">
               <a:rPr lang="uk-UA" smtClean="0"/>
               <a:pPr/>
-              <a:t>21.02.2022</a:t>
+              <a:t>22.02.2022</a:t>
             </a:fld>
             <a:endParaRPr lang="uk-UA"/>
           </a:p>
@@ -1982,7 +1997,7 @@
             <a:fld id="{4B2141DD-FE72-44AA-B946-B70892F1F5B7}" type="datetime1">
               <a:rPr lang="uk-UA" smtClean="0"/>
               <a:pPr/>
-              <a:t>21.02.2022</a:t>
+              <a:t>22.02.2022</a:t>
             </a:fld>
             <a:endParaRPr lang="uk-UA"/>
           </a:p>
@@ -2401,7 +2416,7 @@
             <a:fld id="{D1C4DC7C-6CC4-4D1F-A21B-A650800E0532}" type="datetime1">
               <a:rPr lang="uk-UA" smtClean="0"/>
               <a:pPr/>
-              <a:t>21.02.2022</a:t>
+              <a:t>22.02.2022</a:t>
             </a:fld>
             <a:endParaRPr lang="uk-UA"/>
           </a:p>
@@ -2516,7 +2531,7 @@
             <a:fld id="{09E753FA-BE70-4E9D-A1A2-A798C2E22C2C}" type="datetime1">
               <a:rPr lang="uk-UA" smtClean="0"/>
               <a:pPr/>
-              <a:t>21.02.2022</a:t>
+              <a:t>22.02.2022</a:t>
             </a:fld>
             <a:endParaRPr lang="uk-UA"/>
           </a:p>
@@ -2608,7 +2623,7 @@
             <a:fld id="{BC4E9D1B-A194-48C6-B5A1-4C29D0F81227}" type="datetime1">
               <a:rPr lang="uk-UA" smtClean="0"/>
               <a:pPr/>
-              <a:t>21.02.2022</a:t>
+              <a:t>22.02.2022</a:t>
             </a:fld>
             <a:endParaRPr lang="uk-UA"/>
           </a:p>
@@ -2882,7 +2897,7 @@
             <a:fld id="{98DC5B78-3AEE-4E8C-84A2-DF8B252C6B7D}" type="datetime1">
               <a:rPr lang="uk-UA" smtClean="0"/>
               <a:pPr/>
-              <a:t>21.02.2022</a:t>
+              <a:t>22.02.2022</a:t>
             </a:fld>
             <a:endParaRPr lang="uk-UA"/>
           </a:p>
@@ -3132,7 +3147,7 @@
             <a:fld id="{08E6AC05-7690-4D29-B090-15CFA8055B58}" type="datetime1">
               <a:rPr lang="uk-UA" smtClean="0"/>
               <a:pPr/>
-              <a:t>21.02.2022</a:t>
+              <a:t>22.02.2022</a:t>
             </a:fld>
             <a:endParaRPr lang="uk-UA"/>
           </a:p>
@@ -3342,7 +3357,7 @@
             <a:fld id="{C4778AB5-85A2-4D58-9351-A198925B541D}" type="datetime1">
               <a:rPr lang="uk-UA" smtClean="0"/>
               <a:pPr/>
-              <a:t>21.02.2022</a:t>
+              <a:t>22.02.2022</a:t>
             </a:fld>
             <a:endParaRPr lang="uk-UA"/>
           </a:p>
@@ -5428,7 +5443,7 @@
         <p:spPr>
           <a:xfrm>
             <a:off x="3058699" y="5775647"/>
-            <a:ext cx="6130204" cy="461665"/>
+            <a:ext cx="6622134" cy="461665"/>
           </a:xfrm>
           <a:prstGeom prst="rect">
             <a:avLst/>
@@ -5474,7 +5489,7 @@
                   <a:srgbClr val="0070C0"/>
                 </a:solidFill>
               </a:rPr>
-              <a:t>/demo-template</a:t>
+              <a:t>/depo-calc-template</a:t>
             </a:r>
             <a:endParaRPr lang="uk-UA" sz="2400" b="1" dirty="0">
               <a:solidFill>
